--- a/SRC.Sharp/SRC.Sharp.logo.pptx
+++ b/SRC.Sharp/SRC.Sharp.logo.pptx
@@ -7,6 +7,7 @@
   <p:sldIdLst>
     <p:sldId id="257" r:id="rId2"/>
     <p:sldId id="258" r:id="rId3"/>
+    <p:sldId id="259" r:id="rId4"/>
   </p:sldIdLst>
   <p:sldSz cx="7561263" cy="7561263"/>
   <p:notesSz cx="6858000" cy="9144000"/>
@@ -244,7 +245,7 @@
           <a:p>
             <a:fld id="{3EC8650E-0F3E-4FA6-AA95-7BC6716B3FB4}" type="datetimeFigureOut">
               <a:rPr kumimoji="1" lang="ja-JP" altLang="en-US" smtClean="0"/>
-              <a:t>2021/2/12</a:t>
+              <a:t>2021/6/18</a:t>
             </a:fld>
             <a:endParaRPr kumimoji="1" lang="ja-JP" altLang="en-US"/>
           </a:p>
@@ -446,7 +447,7 @@
           <a:p>
             <a:fld id="{3EC8650E-0F3E-4FA6-AA95-7BC6716B3FB4}" type="datetimeFigureOut">
               <a:rPr kumimoji="1" lang="ja-JP" altLang="en-US" smtClean="0"/>
-              <a:t>2021/2/12</a:t>
+              <a:t>2021/6/18</a:t>
             </a:fld>
             <a:endParaRPr kumimoji="1" lang="ja-JP" altLang="en-US"/>
           </a:p>
@@ -658,7 +659,7 @@
           <a:p>
             <a:fld id="{3EC8650E-0F3E-4FA6-AA95-7BC6716B3FB4}" type="datetimeFigureOut">
               <a:rPr kumimoji="1" lang="ja-JP" altLang="en-US" smtClean="0"/>
-              <a:t>2021/2/12</a:t>
+              <a:t>2021/6/18</a:t>
             </a:fld>
             <a:endParaRPr kumimoji="1" lang="ja-JP" altLang="en-US"/>
           </a:p>
@@ -860,7 +861,7 @@
           <a:p>
             <a:fld id="{3EC8650E-0F3E-4FA6-AA95-7BC6716B3FB4}" type="datetimeFigureOut">
               <a:rPr kumimoji="1" lang="ja-JP" altLang="en-US" smtClean="0"/>
-              <a:t>2021/2/12</a:t>
+              <a:t>2021/6/18</a:t>
             </a:fld>
             <a:endParaRPr kumimoji="1" lang="ja-JP" altLang="en-US"/>
           </a:p>
@@ -1104,7 +1105,7 @@
           <a:p>
             <a:fld id="{3EC8650E-0F3E-4FA6-AA95-7BC6716B3FB4}" type="datetimeFigureOut">
               <a:rPr kumimoji="1" lang="ja-JP" altLang="en-US" smtClean="0"/>
-              <a:t>2021/2/12</a:t>
+              <a:t>2021/6/18</a:t>
             </a:fld>
             <a:endParaRPr kumimoji="1" lang="ja-JP" altLang="en-US"/>
           </a:p>
@@ -1400,7 +1401,7 @@
           <a:p>
             <a:fld id="{3EC8650E-0F3E-4FA6-AA95-7BC6716B3FB4}" type="datetimeFigureOut">
               <a:rPr kumimoji="1" lang="ja-JP" altLang="en-US" smtClean="0"/>
-              <a:t>2021/2/12</a:t>
+              <a:t>2021/6/18</a:t>
             </a:fld>
             <a:endParaRPr kumimoji="1" lang="ja-JP" altLang="en-US"/>
           </a:p>
@@ -1831,7 +1832,7 @@
           <a:p>
             <a:fld id="{3EC8650E-0F3E-4FA6-AA95-7BC6716B3FB4}" type="datetimeFigureOut">
               <a:rPr kumimoji="1" lang="ja-JP" altLang="en-US" smtClean="0"/>
-              <a:t>2021/2/12</a:t>
+              <a:t>2021/6/18</a:t>
             </a:fld>
             <a:endParaRPr kumimoji="1" lang="ja-JP" altLang="en-US"/>
           </a:p>
@@ -1949,7 +1950,7 @@
           <a:p>
             <a:fld id="{3EC8650E-0F3E-4FA6-AA95-7BC6716B3FB4}" type="datetimeFigureOut">
               <a:rPr kumimoji="1" lang="ja-JP" altLang="en-US" smtClean="0"/>
-              <a:t>2021/2/12</a:t>
+              <a:t>2021/6/18</a:t>
             </a:fld>
             <a:endParaRPr kumimoji="1" lang="ja-JP" altLang="en-US"/>
           </a:p>
@@ -2044,7 +2045,7 @@
           <a:p>
             <a:fld id="{3EC8650E-0F3E-4FA6-AA95-7BC6716B3FB4}" type="datetimeFigureOut">
               <a:rPr kumimoji="1" lang="ja-JP" altLang="en-US" smtClean="0"/>
-              <a:t>2021/2/12</a:t>
+              <a:t>2021/6/18</a:t>
             </a:fld>
             <a:endParaRPr kumimoji="1" lang="ja-JP" altLang="en-US"/>
           </a:p>
@@ -2353,7 +2354,7 @@
           <a:p>
             <a:fld id="{3EC8650E-0F3E-4FA6-AA95-7BC6716B3FB4}" type="datetimeFigureOut">
               <a:rPr kumimoji="1" lang="ja-JP" altLang="en-US" smtClean="0"/>
-              <a:t>2021/2/12</a:t>
+              <a:t>2021/6/18</a:t>
             </a:fld>
             <a:endParaRPr kumimoji="1" lang="ja-JP" altLang="en-US"/>
           </a:p>
@@ -2610,7 +2611,7 @@
           <a:p>
             <a:fld id="{3EC8650E-0F3E-4FA6-AA95-7BC6716B3FB4}" type="datetimeFigureOut">
               <a:rPr kumimoji="1" lang="ja-JP" altLang="en-US" smtClean="0"/>
-              <a:t>2021/2/12</a:t>
+              <a:t>2021/6/18</a:t>
             </a:fld>
             <a:endParaRPr kumimoji="1" lang="ja-JP" altLang="en-US"/>
           </a:p>
@@ -2855,7 +2856,7 @@
           <a:p>
             <a:fld id="{3EC8650E-0F3E-4FA6-AA95-7BC6716B3FB4}" type="datetimeFigureOut">
               <a:rPr kumimoji="1" lang="ja-JP" altLang="en-US" smtClean="0"/>
-              <a:t>2021/2/12</a:t>
+              <a:t>2021/6/18</a:t>
             </a:fld>
             <a:endParaRPr kumimoji="1" lang="ja-JP" altLang="en-US"/>
           </a:p>
@@ -3523,6 +3524,140 @@
 </p:sld>
 </file>
 
+<file path=ppt/slides/slide3.xml><?xml version="1.0" encoding="utf-8"?>
+<p:sld xmlns:a="http://schemas.openxmlformats.org/drawingml/2006/main" xmlns:r="http://schemas.openxmlformats.org/officeDocument/2006/relationships" xmlns:p="http://schemas.openxmlformats.org/presentationml/2006/main">
+  <p:cSld>
+    <p:bg>
+      <p:bgPr>
+        <a:solidFill>
+          <a:srgbClr val="F5F6FA"/>
+        </a:solidFill>
+        <a:effectLst/>
+      </p:bgPr>
+    </p:bg>
+    <p:spTree>
+      <p:nvGrpSpPr>
+        <p:cNvPr id="1" name=""/>
+        <p:cNvGrpSpPr/>
+        <p:nvPr/>
+      </p:nvGrpSpPr>
+      <p:grpSpPr>
+        <a:xfrm>
+          <a:off x="0" y="0"/>
+          <a:ext cx="0" cy="0"/>
+          <a:chOff x="0" y="0"/>
+          <a:chExt cx="0" cy="0"/>
+        </a:xfrm>
+      </p:grpSpPr>
+      <p:sp>
+        <p:nvSpPr>
+          <p:cNvPr id="5" name="テキスト ボックス 4">
+            <a:extLst>
+              <a:ext uri="{FF2B5EF4-FFF2-40B4-BE49-F238E27FC236}">
+                <a16:creationId xmlns:a16="http://schemas.microsoft.com/office/drawing/2014/main" id="{17B22B86-275B-4B3C-802E-894B90787C48}"/>
+              </a:ext>
+            </a:extLst>
+          </p:cNvPr>
+          <p:cNvSpPr txBox="1"/>
+          <p:nvPr/>
+        </p:nvSpPr>
+        <p:spPr>
+          <a:xfrm>
+            <a:off x="379700" y="254460"/>
+            <a:ext cx="6801862" cy="4031873"/>
+          </a:xfrm>
+          <a:prstGeom prst="rect">
+            <a:avLst/>
+          </a:prstGeom>
+          <a:noFill/>
+        </p:spPr>
+        <p:txBody>
+          <a:bodyPr wrap="none" rtlCol="0">
+            <a:spAutoFit/>
+          </a:bodyPr>
+          <a:lstStyle/>
+          <a:p>
+            <a:r>
+              <a:rPr kumimoji="1" lang="en-US" altLang="ja-JP" sz="25600" b="1" dirty="0">
+                <a:solidFill>
+                  <a:srgbClr val="27262B"/>
+                </a:solidFill>
+                <a:latin typeface="ＭＳ ゴシック" panose="020B0609070205080204" pitchFamily="49" charset="-128"/>
+                <a:ea typeface="ＭＳ ゴシック" panose="020B0609070205080204" pitchFamily="49" charset="-128"/>
+              </a:rPr>
+              <a:t>SRC#</a:t>
+            </a:r>
+            <a:endParaRPr kumimoji="1" lang="ja-JP" altLang="en-US" sz="25600" b="1" dirty="0">
+              <a:solidFill>
+                <a:srgbClr val="27262B"/>
+              </a:solidFill>
+              <a:latin typeface="ＭＳ ゴシック" panose="020B0609070205080204" pitchFamily="49" charset="-128"/>
+              <a:ea typeface="ＭＳ ゴシック" panose="020B0609070205080204" pitchFamily="49" charset="-128"/>
+            </a:endParaRPr>
+          </a:p>
+        </p:txBody>
+      </p:sp>
+      <p:sp>
+        <p:nvSpPr>
+          <p:cNvPr id="6" name="テキスト ボックス 5">
+            <a:extLst>
+              <a:ext uri="{FF2B5EF4-FFF2-40B4-BE49-F238E27FC236}">
+                <a16:creationId xmlns:a16="http://schemas.microsoft.com/office/drawing/2014/main" id="{1ACE209F-5324-4589-95FE-B195F0C5C77C}"/>
+              </a:ext>
+            </a:extLst>
+          </p:cNvPr>
+          <p:cNvSpPr txBox="1"/>
+          <p:nvPr/>
+        </p:nvSpPr>
+        <p:spPr>
+          <a:xfrm>
+            <a:off x="379700" y="3274930"/>
+            <a:ext cx="6748963" cy="4031873"/>
+          </a:xfrm>
+          <a:prstGeom prst="rect">
+            <a:avLst/>
+          </a:prstGeom>
+          <a:noFill/>
+        </p:spPr>
+        <p:txBody>
+          <a:bodyPr wrap="square" rtlCol="0">
+            <a:spAutoFit/>
+          </a:bodyPr>
+          <a:lstStyle/>
+          <a:p>
+            <a:r>
+              <a:rPr kumimoji="1" lang="en-US" altLang="ja-JP" sz="25600" b="1" dirty="0">
+                <a:solidFill>
+                  <a:srgbClr val="27262B"/>
+                </a:solidFill>
+                <a:latin typeface="ＭＳ ゴシック" panose="020B0609070205080204" pitchFamily="49" charset="-128"/>
+                <a:ea typeface="ＭＳ ゴシック" panose="020B0609070205080204" pitchFamily="49" charset="-128"/>
+              </a:rPr>
+              <a:t>Help</a:t>
+            </a:r>
+            <a:endParaRPr kumimoji="1" lang="ja-JP" altLang="en-US" sz="25600" b="1" dirty="0">
+              <a:solidFill>
+                <a:srgbClr val="27262B"/>
+              </a:solidFill>
+              <a:latin typeface="ＭＳ ゴシック" panose="020B0609070205080204" pitchFamily="49" charset="-128"/>
+              <a:ea typeface="ＭＳ ゴシック" panose="020B0609070205080204" pitchFamily="49" charset="-128"/>
+            </a:endParaRPr>
+          </a:p>
+        </p:txBody>
+      </p:sp>
+    </p:spTree>
+    <p:extLst>
+      <p:ext uri="{BB962C8B-B14F-4D97-AF65-F5344CB8AC3E}">
+        <p14:creationId xmlns:p14="http://schemas.microsoft.com/office/powerpoint/2010/main" val="1013724377"/>
+      </p:ext>
+    </p:extLst>
+  </p:cSld>
+  <p:clrMapOvr>
+    <a:masterClrMapping/>
+  </p:clrMapOvr>
+</p:sld>
+</file>
+
 <file path=ppt/theme/theme1.xml><?xml version="1.0" encoding="utf-8"?>
 <a:theme xmlns:a="http://schemas.openxmlformats.org/drawingml/2006/main" name="Office テーマ">
   <a:themeElements>
